--- a/docs/songs/good good father.pptx
+++ b/docs/songs/good good father.pptx
@@ -310,7 +310,7 @@
             <a:fld id="{26EA1CF3-4A15-4CBF-9A5A-6A56C368BE71}" type="datetimeFigureOut">
               <a:rPr lang="en-GB" smtClean="0"/>
               <a:pPr/>
-              <a:t>12/06/2023</a:t>
+              <a:t>22/07/2024</a:t>
             </a:fld>
             <a:endParaRPr lang="en-GB"/>
           </a:p>
@@ -477,7 +477,7 @@
             <a:fld id="{26EA1CF3-4A15-4CBF-9A5A-6A56C368BE71}" type="datetimeFigureOut">
               <a:rPr lang="en-GB" smtClean="0"/>
               <a:pPr/>
-              <a:t>12/06/2023</a:t>
+              <a:t>22/07/2024</a:t>
             </a:fld>
             <a:endParaRPr lang="en-GB"/>
           </a:p>
@@ -654,7 +654,7 @@
             <a:fld id="{26EA1CF3-4A15-4CBF-9A5A-6A56C368BE71}" type="datetimeFigureOut">
               <a:rPr lang="en-GB" smtClean="0"/>
               <a:pPr/>
-              <a:t>12/06/2023</a:t>
+              <a:t>22/07/2024</a:t>
             </a:fld>
             <a:endParaRPr lang="en-GB"/>
           </a:p>
@@ -821,7 +821,7 @@
             <a:fld id="{26EA1CF3-4A15-4CBF-9A5A-6A56C368BE71}" type="datetimeFigureOut">
               <a:rPr lang="en-GB" smtClean="0"/>
               <a:pPr/>
-              <a:t>12/06/2023</a:t>
+              <a:t>22/07/2024</a:t>
             </a:fld>
             <a:endParaRPr lang="en-GB"/>
           </a:p>
@@ -1064,7 +1064,7 @@
             <a:fld id="{26EA1CF3-4A15-4CBF-9A5A-6A56C368BE71}" type="datetimeFigureOut">
               <a:rPr lang="en-GB" smtClean="0"/>
               <a:pPr/>
-              <a:t>12/06/2023</a:t>
+              <a:t>22/07/2024</a:t>
             </a:fld>
             <a:endParaRPr lang="en-GB"/>
           </a:p>
@@ -1349,7 +1349,7 @@
             <a:fld id="{26EA1CF3-4A15-4CBF-9A5A-6A56C368BE71}" type="datetimeFigureOut">
               <a:rPr lang="en-GB" smtClean="0"/>
               <a:pPr/>
-              <a:t>12/06/2023</a:t>
+              <a:t>22/07/2024</a:t>
             </a:fld>
             <a:endParaRPr lang="en-GB"/>
           </a:p>
@@ -1768,7 +1768,7 @@
             <a:fld id="{26EA1CF3-4A15-4CBF-9A5A-6A56C368BE71}" type="datetimeFigureOut">
               <a:rPr lang="en-GB" smtClean="0"/>
               <a:pPr/>
-              <a:t>12/06/2023</a:t>
+              <a:t>22/07/2024</a:t>
             </a:fld>
             <a:endParaRPr lang="en-GB"/>
           </a:p>
@@ -1883,7 +1883,7 @@
             <a:fld id="{26EA1CF3-4A15-4CBF-9A5A-6A56C368BE71}" type="datetimeFigureOut">
               <a:rPr lang="en-GB" smtClean="0"/>
               <a:pPr/>
-              <a:t>12/06/2023</a:t>
+              <a:t>22/07/2024</a:t>
             </a:fld>
             <a:endParaRPr lang="en-GB"/>
           </a:p>
@@ -1975,7 +1975,7 @@
             <a:fld id="{26EA1CF3-4A15-4CBF-9A5A-6A56C368BE71}" type="datetimeFigureOut">
               <a:rPr lang="en-GB" smtClean="0"/>
               <a:pPr/>
-              <a:t>12/06/2023</a:t>
+              <a:t>22/07/2024</a:t>
             </a:fld>
             <a:endParaRPr lang="en-GB"/>
           </a:p>
@@ -2249,7 +2249,7 @@
             <a:fld id="{26EA1CF3-4A15-4CBF-9A5A-6A56C368BE71}" type="datetimeFigureOut">
               <a:rPr lang="en-GB" smtClean="0"/>
               <a:pPr/>
-              <a:t>12/06/2023</a:t>
+              <a:t>22/07/2024</a:t>
             </a:fld>
             <a:endParaRPr lang="en-GB"/>
           </a:p>
@@ -2499,7 +2499,7 @@
             <a:fld id="{26EA1CF3-4A15-4CBF-9A5A-6A56C368BE71}" type="datetimeFigureOut">
               <a:rPr lang="en-GB" smtClean="0"/>
               <a:pPr/>
-              <a:t>12/06/2023</a:t>
+              <a:t>22/07/2024</a:t>
             </a:fld>
             <a:endParaRPr lang="en-GB"/>
           </a:p>
@@ -2712,7 +2712,7 @@
             <a:fld id="{26EA1CF3-4A15-4CBF-9A5A-6A56C368BE71}" type="datetimeFigureOut">
               <a:rPr lang="en-GB" smtClean="0"/>
               <a:pPr/>
-              <a:t>12/06/2023</a:t>
+              <a:t>22/07/2024</a:t>
             </a:fld>
             <a:endParaRPr lang="en-GB"/>
           </a:p>
@@ -3334,7 +3334,7 @@
         </p:nvSpPr>
         <p:spPr>
           <a:xfrm>
-            <a:off x="323528" y="188640"/>
+            <a:off x="323528" y="692696"/>
             <a:ext cx="8640960" cy="6480720"/>
           </a:xfrm>
         </p:spPr>
@@ -3345,7 +3345,7 @@
           <a:lstStyle/>
           <a:p>
             <a:r>
-              <a:rPr lang="en-GB" sz="4000" dirty="0">
+              <a:rPr lang="en-GB" sz="3600" dirty="0">
                 <a:solidFill>
                   <a:schemeClr val="bg1"/>
                 </a:solidFill>
@@ -3355,7 +3355,7 @@
           </a:p>
           <a:p>
             <a:r>
-              <a:rPr lang="en-GB" sz="4000" dirty="0">
+              <a:rPr lang="en-GB" sz="3600" dirty="0">
                 <a:solidFill>
                   <a:schemeClr val="bg1"/>
                 </a:solidFill>
@@ -3365,7 +3365,7 @@
           </a:p>
           <a:p>
             <a:r>
-              <a:rPr lang="en-GB" sz="4000" dirty="0">
+              <a:rPr lang="en-GB" sz="3600" dirty="0">
                 <a:solidFill>
                   <a:schemeClr val="bg1"/>
                 </a:solidFill>
@@ -3375,7 +3375,7 @@
           </a:p>
           <a:p>
             <a:r>
-              <a:rPr lang="en-GB" sz="4000" dirty="0">
+              <a:rPr lang="en-GB" sz="3600" dirty="0">
                 <a:solidFill>
                   <a:schemeClr val="bg1"/>
                 </a:solidFill>
@@ -3385,7 +3385,7 @@
           </a:p>
           <a:p>
             <a:r>
-              <a:rPr lang="en-GB" sz="4000" dirty="0">
+              <a:rPr lang="en-GB" sz="3600" dirty="0">
                 <a:solidFill>
                   <a:schemeClr val="bg1"/>
                 </a:solidFill>
@@ -3395,7 +3395,7 @@
           </a:p>
           <a:p>
             <a:r>
-              <a:rPr lang="en-GB" sz="4000" dirty="0">
+              <a:rPr lang="en-GB" sz="3600" dirty="0">
                 <a:solidFill>
                   <a:schemeClr val="bg1"/>
                 </a:solidFill>
@@ -3480,7 +3480,7 @@
         </p:nvSpPr>
         <p:spPr>
           <a:xfrm>
-            <a:off x="323528" y="188640"/>
+            <a:off x="203118" y="692696"/>
             <a:ext cx="8640960" cy="6480720"/>
           </a:xfrm>
         </p:spPr>
@@ -3491,7 +3491,7 @@
           <a:lstStyle/>
           <a:p>
             <a:r>
-              <a:rPr lang="en-GB" sz="4000" dirty="0">
+              <a:rPr lang="en-GB" sz="3600" dirty="0">
                 <a:solidFill>
                   <a:schemeClr val="bg1"/>
                 </a:solidFill>
@@ -3499,7 +3499,7 @@
               <a:t>You're a Good </a:t>
             </a:r>
             <a:r>
-              <a:rPr lang="en-GB" sz="4000" dirty="0" err="1">
+              <a:rPr lang="en-GB" sz="3600" dirty="0" err="1">
                 <a:solidFill>
                   <a:schemeClr val="bg1"/>
                 </a:solidFill>
@@ -3507,7 +3507,7 @@
               <a:t>Good</a:t>
             </a:r>
             <a:r>
-              <a:rPr lang="en-GB" sz="4000" dirty="0">
+              <a:rPr lang="en-GB" sz="3600" dirty="0">
                 <a:solidFill>
                   <a:schemeClr val="bg1"/>
                 </a:solidFill>
@@ -3517,7 +3517,7 @@
           </a:p>
           <a:p>
             <a:r>
-              <a:rPr lang="en-GB" sz="4000" dirty="0">
+              <a:rPr lang="en-GB" sz="3600" dirty="0">
                 <a:solidFill>
                   <a:schemeClr val="bg1"/>
                 </a:solidFill>
@@ -3527,7 +3527,7 @@
           </a:p>
           <a:p>
             <a:r>
-              <a:rPr lang="en-GB" sz="4000" dirty="0">
+              <a:rPr lang="en-GB" sz="3600" dirty="0">
                 <a:solidFill>
                   <a:schemeClr val="bg1"/>
                 </a:solidFill>
@@ -3537,7 +3537,7 @@
           </a:p>
           <a:p>
             <a:r>
-              <a:rPr lang="en-GB" sz="4000" dirty="0">
+              <a:rPr lang="en-GB" sz="3600" dirty="0">
                 <a:solidFill>
                   <a:schemeClr val="bg1"/>
                 </a:solidFill>
@@ -3547,7 +3547,7 @@
           </a:p>
           <a:p>
             <a:r>
-              <a:rPr lang="en-GB" sz="4000" dirty="0">
+              <a:rPr lang="en-GB" sz="3600" dirty="0">
                 <a:solidFill>
                   <a:schemeClr val="bg1"/>
                 </a:solidFill>
@@ -3557,7 +3557,7 @@
           </a:p>
           <a:p>
             <a:r>
-              <a:rPr lang="en-GB" sz="4000" dirty="0">
+              <a:rPr lang="en-GB" sz="3600" dirty="0">
                 <a:solidFill>
                   <a:schemeClr val="bg1"/>
                 </a:solidFill>
@@ -3567,7 +3567,7 @@
           </a:p>
           <a:p>
             <a:r>
-              <a:rPr lang="en-GB" sz="4000" dirty="0">
+              <a:rPr lang="en-GB" sz="3600" dirty="0">
                 <a:solidFill>
                   <a:schemeClr val="bg1"/>
                 </a:solidFill>
@@ -3577,7 +3577,7 @@
           </a:p>
           <a:p>
             <a:r>
-              <a:rPr lang="en-GB" sz="4000" dirty="0">
+              <a:rPr lang="en-GB" sz="3600" dirty="0">
                 <a:solidFill>
                   <a:schemeClr val="bg1"/>
                 </a:solidFill>
@@ -3662,7 +3662,7 @@
         </p:nvSpPr>
         <p:spPr>
           <a:xfrm>
-            <a:off x="323528" y="188640"/>
+            <a:off x="395536" y="692696"/>
             <a:ext cx="8640960" cy="6480720"/>
           </a:xfrm>
         </p:spPr>
@@ -3673,7 +3673,7 @@
           <a:lstStyle/>
           <a:p>
             <a:r>
-              <a:rPr lang="en-GB" sz="4000" dirty="0">
+              <a:rPr lang="en-GB" sz="3600" dirty="0">
                 <a:solidFill>
                   <a:schemeClr val="bg1"/>
                 </a:solidFill>
@@ -3683,7 +3683,7 @@
           </a:p>
           <a:p>
             <a:r>
-              <a:rPr lang="en-GB" sz="4000" dirty="0">
+              <a:rPr lang="en-GB" sz="3600" dirty="0">
                 <a:solidFill>
                   <a:schemeClr val="bg1"/>
                 </a:solidFill>
@@ -3693,7 +3693,7 @@
           </a:p>
           <a:p>
             <a:r>
-              <a:rPr lang="en-GB" sz="4000" dirty="0">
+              <a:rPr lang="en-GB" sz="3600" dirty="0">
                 <a:solidFill>
                   <a:schemeClr val="bg1"/>
                 </a:solidFill>
@@ -3703,7 +3703,7 @@
           </a:p>
           <a:p>
             <a:r>
-              <a:rPr lang="en-GB" sz="4000" dirty="0">
+              <a:rPr lang="en-GB" sz="3600" dirty="0">
                 <a:solidFill>
                   <a:schemeClr val="bg1"/>
                 </a:solidFill>
@@ -3713,7 +3713,7 @@
           </a:p>
           <a:p>
             <a:r>
-              <a:rPr lang="en-GB" sz="4000" dirty="0">
+              <a:rPr lang="en-GB" sz="3600" dirty="0">
                 <a:solidFill>
                   <a:schemeClr val="bg1"/>
                 </a:solidFill>
@@ -3723,7 +3723,7 @@
           </a:p>
           <a:p>
             <a:r>
-              <a:rPr lang="en-GB" sz="4000" dirty="0">
+              <a:rPr lang="en-GB" sz="3600" dirty="0">
                 <a:solidFill>
                   <a:schemeClr val="bg1"/>
                 </a:solidFill>
@@ -3808,7 +3808,7 @@
         </p:nvSpPr>
         <p:spPr>
           <a:xfrm>
-            <a:off x="323528" y="188640"/>
+            <a:off x="225836" y="692696"/>
             <a:ext cx="8640960" cy="6480720"/>
           </a:xfrm>
         </p:spPr>
@@ -3819,7 +3819,7 @@
           <a:lstStyle/>
           <a:p>
             <a:r>
-              <a:rPr lang="en-GB" sz="4000" dirty="0">
+              <a:rPr lang="en-GB" sz="3600" dirty="0">
                 <a:solidFill>
                   <a:schemeClr val="bg1"/>
                 </a:solidFill>
@@ -3829,7 +3829,7 @@
           </a:p>
           <a:p>
             <a:r>
-              <a:rPr lang="en-GB" sz="4000" dirty="0">
+              <a:rPr lang="en-GB" sz="3600" dirty="0">
                 <a:solidFill>
                   <a:schemeClr val="bg1"/>
                 </a:solidFill>
@@ -3839,7 +3839,7 @@
           </a:p>
           <a:p>
             <a:r>
-              <a:rPr lang="en-GB" sz="4000" dirty="0">
+              <a:rPr lang="en-GB" sz="3600" dirty="0">
                 <a:solidFill>
                   <a:schemeClr val="bg1"/>
                 </a:solidFill>
@@ -3924,7 +3924,7 @@
         </p:nvSpPr>
         <p:spPr>
           <a:xfrm>
-            <a:off x="323528" y="188640"/>
+            <a:off x="251520" y="764704"/>
             <a:ext cx="8640960" cy="6480720"/>
           </a:xfrm>
         </p:spPr>
@@ -3935,7 +3935,7 @@
           <a:lstStyle/>
           <a:p>
             <a:r>
-              <a:rPr lang="en-GB" sz="4000" dirty="0">
+              <a:rPr lang="en-GB" sz="3600" dirty="0">
                 <a:solidFill>
                   <a:schemeClr val="bg1"/>
                 </a:solidFill>
@@ -3945,7 +3945,7 @@
           </a:p>
           <a:p>
             <a:r>
-              <a:rPr lang="en-GB" sz="4000" dirty="0">
+              <a:rPr lang="en-GB" sz="3600" dirty="0">
                 <a:solidFill>
                   <a:schemeClr val="bg1"/>
                 </a:solidFill>
@@ -3955,7 +3955,7 @@
           </a:p>
           <a:p>
             <a:r>
-              <a:rPr lang="en-GB" sz="4000" dirty="0">
+              <a:rPr lang="en-GB" sz="3600" dirty="0">
                 <a:solidFill>
                   <a:schemeClr val="bg1"/>
                 </a:solidFill>
@@ -3965,7 +3965,7 @@
           </a:p>
           <a:p>
             <a:r>
-              <a:rPr lang="en-GB" sz="4000" dirty="0">
+              <a:rPr lang="en-GB" sz="3600" dirty="0">
                 <a:solidFill>
                   <a:schemeClr val="bg1"/>
                 </a:solidFill>
@@ -3975,7 +3975,7 @@
           </a:p>
           <a:p>
             <a:r>
-              <a:rPr lang="en-GB" sz="4000" dirty="0">
+              <a:rPr lang="en-GB" sz="3600" dirty="0">
                 <a:solidFill>
                   <a:schemeClr val="bg1"/>
                 </a:solidFill>
@@ -3985,7 +3985,7 @@
           </a:p>
           <a:p>
             <a:r>
-              <a:rPr lang="en-GB" sz="4000" dirty="0">
+              <a:rPr lang="en-GB" sz="3600" dirty="0">
                 <a:solidFill>
                   <a:schemeClr val="bg1"/>
                 </a:solidFill>
@@ -3993,7 +3993,7 @@
               <a:t>Into love </a:t>
             </a:r>
             <a:r>
-              <a:rPr lang="en-GB" sz="4000" dirty="0" err="1">
+              <a:rPr lang="en-GB" sz="3600" dirty="0" err="1">
                 <a:solidFill>
                   <a:schemeClr val="bg1"/>
                 </a:solidFill>
@@ -4001,7 +4001,7 @@
               <a:t>love</a:t>
             </a:r>
             <a:r>
-              <a:rPr lang="en-GB" sz="4000" dirty="0">
+              <a:rPr lang="en-GB" sz="3600" dirty="0">
                 <a:solidFill>
                   <a:schemeClr val="bg1"/>
                 </a:solidFill>
@@ -4009,14 +4009,14 @@
               <a:t> </a:t>
             </a:r>
             <a:r>
-              <a:rPr lang="en-GB" sz="4000" dirty="0" err="1">
+              <a:rPr lang="en-GB" sz="3600" dirty="0" err="1">
                 <a:solidFill>
                   <a:schemeClr val="bg1"/>
                 </a:solidFill>
               </a:rPr>
               <a:t>love</a:t>
             </a:r>
-            <a:endParaRPr lang="en-GB" sz="4000" dirty="0">
+            <a:endParaRPr lang="en-GB" sz="3600" dirty="0">
               <a:solidFill>
                 <a:schemeClr val="bg1"/>
               </a:solidFill>

--- a/docs/songs/good good father.pptx
+++ b/docs/songs/good good father.pptx
@@ -9,8 +9,10 @@
     <p:sldId id="520" r:id="rId3"/>
     <p:sldId id="521" r:id="rId4"/>
     <p:sldId id="522" r:id="rId5"/>
-    <p:sldId id="523" r:id="rId6"/>
-    <p:sldId id="524" r:id="rId7"/>
+    <p:sldId id="525" r:id="rId6"/>
+    <p:sldId id="523" r:id="rId7"/>
+    <p:sldId id="524" r:id="rId8"/>
+    <p:sldId id="526" r:id="rId9"/>
   </p:sldIdLst>
   <p:sldSz cx="9144000" cy="6858000" type="screen4x3"/>
   <p:notesSz cx="6858000" cy="9144000"/>
@@ -310,7 +312,7 @@
             <a:fld id="{26EA1CF3-4A15-4CBF-9A5A-6A56C368BE71}" type="datetimeFigureOut">
               <a:rPr lang="en-GB" smtClean="0"/>
               <a:pPr/>
-              <a:t>22/07/2024</a:t>
+              <a:t>05/05/2025</a:t>
             </a:fld>
             <a:endParaRPr lang="en-GB"/>
           </a:p>
@@ -477,7 +479,7 @@
             <a:fld id="{26EA1CF3-4A15-4CBF-9A5A-6A56C368BE71}" type="datetimeFigureOut">
               <a:rPr lang="en-GB" smtClean="0"/>
               <a:pPr/>
-              <a:t>22/07/2024</a:t>
+              <a:t>05/05/2025</a:t>
             </a:fld>
             <a:endParaRPr lang="en-GB"/>
           </a:p>
@@ -654,7 +656,7 @@
             <a:fld id="{26EA1CF3-4A15-4CBF-9A5A-6A56C368BE71}" type="datetimeFigureOut">
               <a:rPr lang="en-GB" smtClean="0"/>
               <a:pPr/>
-              <a:t>22/07/2024</a:t>
+              <a:t>05/05/2025</a:t>
             </a:fld>
             <a:endParaRPr lang="en-GB"/>
           </a:p>
@@ -821,7 +823,7 @@
             <a:fld id="{26EA1CF3-4A15-4CBF-9A5A-6A56C368BE71}" type="datetimeFigureOut">
               <a:rPr lang="en-GB" smtClean="0"/>
               <a:pPr/>
-              <a:t>22/07/2024</a:t>
+              <a:t>05/05/2025</a:t>
             </a:fld>
             <a:endParaRPr lang="en-GB"/>
           </a:p>
@@ -1064,7 +1066,7 @@
             <a:fld id="{26EA1CF3-4A15-4CBF-9A5A-6A56C368BE71}" type="datetimeFigureOut">
               <a:rPr lang="en-GB" smtClean="0"/>
               <a:pPr/>
-              <a:t>22/07/2024</a:t>
+              <a:t>05/05/2025</a:t>
             </a:fld>
             <a:endParaRPr lang="en-GB"/>
           </a:p>
@@ -1349,7 +1351,7 @@
             <a:fld id="{26EA1CF3-4A15-4CBF-9A5A-6A56C368BE71}" type="datetimeFigureOut">
               <a:rPr lang="en-GB" smtClean="0"/>
               <a:pPr/>
-              <a:t>22/07/2024</a:t>
+              <a:t>05/05/2025</a:t>
             </a:fld>
             <a:endParaRPr lang="en-GB"/>
           </a:p>
@@ -1768,7 +1770,7 @@
             <a:fld id="{26EA1CF3-4A15-4CBF-9A5A-6A56C368BE71}" type="datetimeFigureOut">
               <a:rPr lang="en-GB" smtClean="0"/>
               <a:pPr/>
-              <a:t>22/07/2024</a:t>
+              <a:t>05/05/2025</a:t>
             </a:fld>
             <a:endParaRPr lang="en-GB"/>
           </a:p>
@@ -1883,7 +1885,7 @@
             <a:fld id="{26EA1CF3-4A15-4CBF-9A5A-6A56C368BE71}" type="datetimeFigureOut">
               <a:rPr lang="en-GB" smtClean="0"/>
               <a:pPr/>
-              <a:t>22/07/2024</a:t>
+              <a:t>05/05/2025</a:t>
             </a:fld>
             <a:endParaRPr lang="en-GB"/>
           </a:p>
@@ -1975,7 +1977,7 @@
             <a:fld id="{26EA1CF3-4A15-4CBF-9A5A-6A56C368BE71}" type="datetimeFigureOut">
               <a:rPr lang="en-GB" smtClean="0"/>
               <a:pPr/>
-              <a:t>22/07/2024</a:t>
+              <a:t>05/05/2025</a:t>
             </a:fld>
             <a:endParaRPr lang="en-GB"/>
           </a:p>
@@ -2249,7 +2251,7 @@
             <a:fld id="{26EA1CF3-4A15-4CBF-9A5A-6A56C368BE71}" type="datetimeFigureOut">
               <a:rPr lang="en-GB" smtClean="0"/>
               <a:pPr/>
-              <a:t>22/07/2024</a:t>
+              <a:t>05/05/2025</a:t>
             </a:fld>
             <a:endParaRPr lang="en-GB"/>
           </a:p>
@@ -2499,7 +2501,7 @@
             <a:fld id="{26EA1CF3-4A15-4CBF-9A5A-6A56C368BE71}" type="datetimeFigureOut">
               <a:rPr lang="en-GB" smtClean="0"/>
               <a:pPr/>
-              <a:t>22/07/2024</a:t>
+              <a:t>05/05/2025</a:t>
             </a:fld>
             <a:endParaRPr lang="en-GB"/>
           </a:p>
@@ -2712,7 +2714,7 @@
             <a:fld id="{26EA1CF3-4A15-4CBF-9A5A-6A56C368BE71}" type="datetimeFigureOut">
               <a:rPr lang="en-GB" smtClean="0"/>
               <a:pPr/>
-              <a:t>22/07/2024</a:t>
+              <a:t>05/05/2025</a:t>
             </a:fld>
             <a:endParaRPr lang="en-GB"/>
           </a:p>
@@ -3433,7 +3435,7 @@
                   <a:schemeClr val="bg1"/>
                 </a:solidFill>
               </a:rPr>
-              <a:t>1/5</a:t>
+              <a:t>1/7</a:t>
             </a:r>
           </a:p>
         </p:txBody>
@@ -3615,7 +3617,7 @@
                   <a:schemeClr val="bg1"/>
                 </a:solidFill>
               </a:rPr>
-              <a:t>2/5</a:t>
+              <a:t>2/7</a:t>
             </a:r>
           </a:p>
         </p:txBody>
@@ -3761,7 +3763,7 @@
                   <a:schemeClr val="bg1"/>
                 </a:solidFill>
               </a:rPr>
-              <a:t>3/5</a:t>
+              <a:t>3/7</a:t>
             </a:r>
           </a:p>
         </p:txBody>
@@ -3784,7 +3786,13 @@
   <p:cSld>
     <p:spTree>
       <p:nvGrpSpPr>
-        <p:cNvPr id="1" name=""/>
+        <p:cNvPr id="1" name="">
+          <a:extLst>
+            <a:ext uri="{FF2B5EF4-FFF2-40B4-BE49-F238E27FC236}">
+              <a16:creationId xmlns:a16="http://schemas.microsoft.com/office/drawing/2014/main" id="{BD8B888B-411F-346E-5FFA-A7177722A3F5}"/>
+            </a:ext>
+          </a:extLst>
+        </p:cNvPr>
         <p:cNvGrpSpPr/>
         <p:nvPr/>
       </p:nvGrpSpPr>
@@ -3798,7 +3806,13 @@
       </p:grpSpPr>
       <p:sp>
         <p:nvSpPr>
-          <p:cNvPr id="3" name="Subtitle 2"/>
+          <p:cNvPr id="3" name="Subtitle 2">
+            <a:extLst>
+              <a:ext uri="{FF2B5EF4-FFF2-40B4-BE49-F238E27FC236}">
+                <a16:creationId xmlns:a16="http://schemas.microsoft.com/office/drawing/2014/main" id="{C44369D5-C702-0067-684D-EDD3A236E3A5}"/>
+              </a:ext>
+            </a:extLst>
+          </p:cNvPr>
           <p:cNvSpPr>
             <a:spLocks noGrp="1"/>
           </p:cNvSpPr>
@@ -3808,7 +3822,7 @@
         </p:nvSpPr>
         <p:spPr>
           <a:xfrm>
-            <a:off x="225836" y="692696"/>
+            <a:off x="203118" y="692696"/>
             <a:ext cx="8640960" cy="6480720"/>
           </a:xfrm>
         </p:spPr>
@@ -3824,34 +3838,106 @@
                   <a:schemeClr val="bg1"/>
                 </a:solidFill>
               </a:rPr>
-              <a:t>You are perfect in all of Your ways</a:t>
-            </a:r>
-          </a:p>
-          <a:p>
-            <a:r>
-              <a:rPr lang="en-GB" sz="3600" dirty="0">
-                <a:solidFill>
-                  <a:schemeClr val="bg1"/>
-                </a:solidFill>
-              </a:rPr>
-              <a:t>You are perfect in all of Your ways</a:t>
-            </a:r>
-          </a:p>
-          <a:p>
-            <a:r>
-              <a:rPr lang="en-GB" sz="3600" dirty="0">
-                <a:solidFill>
-                  <a:schemeClr val="bg1"/>
-                </a:solidFill>
-              </a:rPr>
-              <a:t>You are perfect in all of Your ways to us</a:t>
-            </a:r>
-          </a:p>
-        </p:txBody>
-      </p:sp>
-      <p:sp>
-        <p:nvSpPr>
-          <p:cNvPr id="4" name="TextBox 3"/>
+              <a:t>You're a Good </a:t>
+            </a:r>
+            <a:r>
+              <a:rPr lang="en-GB" sz="3600" dirty="0" err="1">
+                <a:solidFill>
+                  <a:schemeClr val="bg1"/>
+                </a:solidFill>
+              </a:rPr>
+              <a:t>Good</a:t>
+            </a:r>
+            <a:r>
+              <a:rPr lang="en-GB" sz="3600" dirty="0">
+                <a:solidFill>
+                  <a:schemeClr val="bg1"/>
+                </a:solidFill>
+              </a:rPr>
+              <a:t> Father</a:t>
+            </a:r>
+          </a:p>
+          <a:p>
+            <a:r>
+              <a:rPr lang="en-GB" sz="3600" dirty="0">
+                <a:solidFill>
+                  <a:schemeClr val="bg1"/>
+                </a:solidFill>
+              </a:rPr>
+              <a:t>It's who You are</a:t>
+            </a:r>
+          </a:p>
+          <a:p>
+            <a:r>
+              <a:rPr lang="en-GB" sz="3600" dirty="0">
+                <a:solidFill>
+                  <a:schemeClr val="bg1"/>
+                </a:solidFill>
+              </a:rPr>
+              <a:t>It's who You are</a:t>
+            </a:r>
+          </a:p>
+          <a:p>
+            <a:r>
+              <a:rPr lang="en-GB" sz="3600" dirty="0">
+                <a:solidFill>
+                  <a:schemeClr val="bg1"/>
+                </a:solidFill>
+              </a:rPr>
+              <a:t>It's who You are</a:t>
+            </a:r>
+          </a:p>
+          <a:p>
+            <a:r>
+              <a:rPr lang="en-GB" sz="3600" dirty="0">
+                <a:solidFill>
+                  <a:schemeClr val="bg1"/>
+                </a:solidFill>
+              </a:rPr>
+              <a:t>And I'm loved by You</a:t>
+            </a:r>
+          </a:p>
+          <a:p>
+            <a:r>
+              <a:rPr lang="en-GB" sz="3600" dirty="0">
+                <a:solidFill>
+                  <a:schemeClr val="bg1"/>
+                </a:solidFill>
+              </a:rPr>
+              <a:t>It's who I am</a:t>
+            </a:r>
+          </a:p>
+          <a:p>
+            <a:r>
+              <a:rPr lang="en-GB" sz="3600" dirty="0">
+                <a:solidFill>
+                  <a:schemeClr val="bg1"/>
+                </a:solidFill>
+              </a:rPr>
+              <a:t>It's who I am</a:t>
+            </a:r>
+          </a:p>
+          <a:p>
+            <a:r>
+              <a:rPr lang="en-GB" sz="3600" dirty="0">
+                <a:solidFill>
+                  <a:schemeClr val="bg1"/>
+                </a:solidFill>
+              </a:rPr>
+              <a:t>It's who I am</a:t>
+            </a:r>
+          </a:p>
+        </p:txBody>
+      </p:sp>
+      <p:sp>
+        <p:nvSpPr>
+          <p:cNvPr id="4" name="TextBox 3">
+            <a:extLst>
+              <a:ext uri="{FF2B5EF4-FFF2-40B4-BE49-F238E27FC236}">
+                <a16:creationId xmlns:a16="http://schemas.microsoft.com/office/drawing/2014/main" id="{1DBA7271-58EF-94D6-123B-48BCB6209FEA}"/>
+              </a:ext>
+            </a:extLst>
+          </p:cNvPr>
           <p:cNvSpPr txBox="1"/>
           <p:nvPr/>
         </p:nvSpPr>
@@ -3877,7 +3963,7 @@
                   <a:schemeClr val="bg1"/>
                 </a:solidFill>
               </a:rPr>
-              <a:t>4/5</a:t>
+              <a:t>4/7</a:t>
             </a:r>
           </a:p>
         </p:txBody>
@@ -3885,7 +3971,7 @@
     </p:spTree>
     <p:extLst>
       <p:ext uri="{BB962C8B-B14F-4D97-AF65-F5344CB8AC3E}">
-        <p14:creationId xmlns:p14="http://schemas.microsoft.com/office/powerpoint/2010/main" val="189950919"/>
+        <p14:creationId xmlns:p14="http://schemas.microsoft.com/office/powerpoint/2010/main" val="790140507"/>
       </p:ext>
     </p:extLst>
   </p:cSld>
@@ -3924,7 +4010,7 @@
         </p:nvSpPr>
         <p:spPr>
           <a:xfrm>
-            <a:off x="251520" y="764704"/>
+            <a:off x="225836" y="692696"/>
             <a:ext cx="8640960" cy="6480720"/>
           </a:xfrm>
         </p:spPr>
@@ -3940,87 +4026,28 @@
                   <a:schemeClr val="bg1"/>
                 </a:solidFill>
               </a:rPr>
-              <a:t>Love so undeniable I can hardly speak</a:t>
-            </a:r>
-          </a:p>
-          <a:p>
-            <a:r>
-              <a:rPr lang="en-GB" sz="3600" dirty="0">
-                <a:solidFill>
-                  <a:schemeClr val="bg1"/>
-                </a:solidFill>
-              </a:rPr>
-              <a:t>Peace so unexplainable I can hardly think</a:t>
-            </a:r>
-          </a:p>
-          <a:p>
-            <a:r>
-              <a:rPr lang="en-GB" sz="3600" dirty="0">
-                <a:solidFill>
-                  <a:schemeClr val="bg1"/>
-                </a:solidFill>
-              </a:rPr>
-              <a:t>As You call me deeper still</a:t>
-            </a:r>
-          </a:p>
-          <a:p>
-            <a:r>
-              <a:rPr lang="en-GB" sz="3600" dirty="0">
-                <a:solidFill>
-                  <a:schemeClr val="bg1"/>
-                </a:solidFill>
-              </a:rPr>
-              <a:t>As You call me deeper still</a:t>
-            </a:r>
-          </a:p>
-          <a:p>
-            <a:r>
-              <a:rPr lang="en-GB" sz="3600" dirty="0">
-                <a:solidFill>
-                  <a:schemeClr val="bg1"/>
-                </a:solidFill>
-              </a:rPr>
-              <a:t>As You call me deeper still</a:t>
-            </a:r>
-          </a:p>
-          <a:p>
-            <a:r>
-              <a:rPr lang="en-GB" sz="3600" dirty="0">
-                <a:solidFill>
-                  <a:schemeClr val="bg1"/>
-                </a:solidFill>
-              </a:rPr>
-              <a:t>Into love </a:t>
-            </a:r>
-            <a:r>
-              <a:rPr lang="en-GB" sz="3600" dirty="0" err="1">
-                <a:solidFill>
-                  <a:schemeClr val="bg1"/>
-                </a:solidFill>
-              </a:rPr>
-              <a:t>love</a:t>
-            </a:r>
-            <a:r>
-              <a:rPr lang="en-GB" sz="3600" dirty="0">
-                <a:solidFill>
-                  <a:schemeClr val="bg1"/>
-                </a:solidFill>
-              </a:rPr>
-              <a:t> </a:t>
-            </a:r>
-            <a:r>
-              <a:rPr lang="en-GB" sz="3600" dirty="0" err="1">
-                <a:solidFill>
-                  <a:schemeClr val="bg1"/>
-                </a:solidFill>
-              </a:rPr>
-              <a:t>love</a:t>
-            </a:r>
-            <a:endParaRPr lang="en-GB" sz="3600" dirty="0">
-              <a:solidFill>
-                <a:schemeClr val="bg1"/>
-              </a:solidFill>
-            </a:endParaRPr>
+              <a:t>You are perfect in all of Your ways</a:t>
+            </a:r>
+          </a:p>
+          <a:p>
+            <a:r>
+              <a:rPr lang="en-GB" sz="3600" dirty="0">
+                <a:solidFill>
+                  <a:schemeClr val="bg1"/>
+                </a:solidFill>
+              </a:rPr>
+              <a:t>You are perfect in all of Your ways</a:t>
+            </a:r>
+          </a:p>
+          <a:p>
+            <a:r>
+              <a:rPr lang="en-GB" sz="3600" dirty="0">
+                <a:solidFill>
+                  <a:schemeClr val="bg1"/>
+                </a:solidFill>
+              </a:rPr>
+              <a:t>You are perfect in all of Your ways to us</a:t>
+            </a:r>
           </a:p>
         </p:txBody>
       </p:sp>
@@ -4052,7 +4079,182 @@
                   <a:schemeClr val="bg1"/>
                 </a:solidFill>
               </a:rPr>
-              <a:t>5/5</a:t>
+              <a:t>5/7</a:t>
+            </a:r>
+          </a:p>
+        </p:txBody>
+      </p:sp>
+    </p:spTree>
+    <p:extLst>
+      <p:ext uri="{BB962C8B-B14F-4D97-AF65-F5344CB8AC3E}">
+        <p14:creationId xmlns:p14="http://schemas.microsoft.com/office/powerpoint/2010/main" val="189950919"/>
+      </p:ext>
+    </p:extLst>
+  </p:cSld>
+  <p:clrMapOvr>
+    <a:masterClrMapping/>
+  </p:clrMapOvr>
+</p:sld>
+</file>
+
+<file path=ppt/slides/slide7.xml><?xml version="1.0" encoding="utf-8"?>
+<p:sld xmlns:a="http://schemas.openxmlformats.org/drawingml/2006/main" xmlns:r="http://schemas.openxmlformats.org/officeDocument/2006/relationships" xmlns:p="http://schemas.openxmlformats.org/presentationml/2006/main">
+  <p:cSld>
+    <p:spTree>
+      <p:nvGrpSpPr>
+        <p:cNvPr id="1" name=""/>
+        <p:cNvGrpSpPr/>
+        <p:nvPr/>
+      </p:nvGrpSpPr>
+      <p:grpSpPr>
+        <a:xfrm>
+          <a:off x="0" y="0"/>
+          <a:ext cx="0" cy="0"/>
+          <a:chOff x="0" y="0"/>
+          <a:chExt cx="0" cy="0"/>
+        </a:xfrm>
+      </p:grpSpPr>
+      <p:sp>
+        <p:nvSpPr>
+          <p:cNvPr id="3" name="Subtitle 2"/>
+          <p:cNvSpPr>
+            <a:spLocks noGrp="1"/>
+          </p:cNvSpPr>
+          <p:nvPr>
+            <p:ph type="subTitle" idx="1"/>
+          </p:nvPr>
+        </p:nvSpPr>
+        <p:spPr>
+          <a:xfrm>
+            <a:off x="251520" y="764704"/>
+            <a:ext cx="8640960" cy="6480720"/>
+          </a:xfrm>
+        </p:spPr>
+        <p:txBody>
+          <a:bodyPr>
+            <a:noAutofit/>
+          </a:bodyPr>
+          <a:lstStyle/>
+          <a:p>
+            <a:r>
+              <a:rPr lang="en-GB" sz="3600" dirty="0">
+                <a:solidFill>
+                  <a:schemeClr val="bg1"/>
+                </a:solidFill>
+              </a:rPr>
+              <a:t>Love so undeniable I can hardly speak</a:t>
+            </a:r>
+          </a:p>
+          <a:p>
+            <a:r>
+              <a:rPr lang="en-GB" sz="3600" dirty="0">
+                <a:solidFill>
+                  <a:schemeClr val="bg1"/>
+                </a:solidFill>
+              </a:rPr>
+              <a:t>Peace so unexplainable I can hardly think</a:t>
+            </a:r>
+          </a:p>
+          <a:p>
+            <a:r>
+              <a:rPr lang="en-GB" sz="3600" dirty="0">
+                <a:solidFill>
+                  <a:schemeClr val="bg1"/>
+                </a:solidFill>
+              </a:rPr>
+              <a:t>As You call me deeper still</a:t>
+            </a:r>
+          </a:p>
+          <a:p>
+            <a:r>
+              <a:rPr lang="en-GB" sz="3600" dirty="0">
+                <a:solidFill>
+                  <a:schemeClr val="bg1"/>
+                </a:solidFill>
+              </a:rPr>
+              <a:t>As You call me deeper still</a:t>
+            </a:r>
+          </a:p>
+          <a:p>
+            <a:r>
+              <a:rPr lang="en-GB" sz="3600" dirty="0">
+                <a:solidFill>
+                  <a:schemeClr val="bg1"/>
+                </a:solidFill>
+              </a:rPr>
+              <a:t>As You call me deeper still</a:t>
+            </a:r>
+          </a:p>
+          <a:p>
+            <a:r>
+              <a:rPr lang="en-GB" sz="3600" dirty="0">
+                <a:solidFill>
+                  <a:schemeClr val="bg1"/>
+                </a:solidFill>
+              </a:rPr>
+              <a:t>Into love </a:t>
+            </a:r>
+            <a:r>
+              <a:rPr lang="en-GB" sz="3600" dirty="0" err="1">
+                <a:solidFill>
+                  <a:schemeClr val="bg1"/>
+                </a:solidFill>
+              </a:rPr>
+              <a:t>love</a:t>
+            </a:r>
+            <a:r>
+              <a:rPr lang="en-GB" sz="3600" dirty="0">
+                <a:solidFill>
+                  <a:schemeClr val="bg1"/>
+                </a:solidFill>
+              </a:rPr>
+              <a:t> </a:t>
+            </a:r>
+            <a:r>
+              <a:rPr lang="en-GB" sz="3600" dirty="0" err="1">
+                <a:solidFill>
+                  <a:schemeClr val="bg1"/>
+                </a:solidFill>
+              </a:rPr>
+              <a:t>love</a:t>
+            </a:r>
+            <a:endParaRPr lang="en-GB" sz="3600" dirty="0">
+              <a:solidFill>
+                <a:schemeClr val="bg1"/>
+              </a:solidFill>
+            </a:endParaRPr>
+          </a:p>
+        </p:txBody>
+      </p:sp>
+      <p:sp>
+        <p:nvSpPr>
+          <p:cNvPr id="4" name="TextBox 3"/>
+          <p:cNvSpPr txBox="1"/>
+          <p:nvPr/>
+        </p:nvSpPr>
+        <p:spPr>
+          <a:xfrm>
+            <a:off x="8529729" y="0"/>
+            <a:ext cx="628698" cy="461665"/>
+          </a:xfrm>
+          <a:prstGeom prst="rect">
+            <a:avLst/>
+          </a:prstGeom>
+          <a:noFill/>
+        </p:spPr>
+        <p:txBody>
+          <a:bodyPr wrap="none" rtlCol="0">
+            <a:spAutoFit/>
+          </a:bodyPr>
+          <a:lstStyle/>
+          <a:p>
+            <a:r>
+              <a:rPr lang="en-GB" sz="2400" b="1" dirty="0">
+                <a:solidFill>
+                  <a:schemeClr val="bg1"/>
+                </a:solidFill>
+              </a:rPr>
+              <a:t>6/7</a:t>
             </a:r>
           </a:p>
         </p:txBody>
@@ -4061,6 +4263,206 @@
     <p:extLst>
       <p:ext uri="{BB962C8B-B14F-4D97-AF65-F5344CB8AC3E}">
         <p14:creationId xmlns:p14="http://schemas.microsoft.com/office/powerpoint/2010/main" val="835096277"/>
+      </p:ext>
+    </p:extLst>
+  </p:cSld>
+  <p:clrMapOvr>
+    <a:masterClrMapping/>
+  </p:clrMapOvr>
+</p:sld>
+</file>
+
+<file path=ppt/slides/slide8.xml><?xml version="1.0" encoding="utf-8"?>
+<p:sld xmlns:a="http://schemas.openxmlformats.org/drawingml/2006/main" xmlns:r="http://schemas.openxmlformats.org/officeDocument/2006/relationships" xmlns:p="http://schemas.openxmlformats.org/presentationml/2006/main">
+  <p:cSld>
+    <p:spTree>
+      <p:nvGrpSpPr>
+        <p:cNvPr id="1" name="">
+          <a:extLst>
+            <a:ext uri="{FF2B5EF4-FFF2-40B4-BE49-F238E27FC236}">
+              <a16:creationId xmlns:a16="http://schemas.microsoft.com/office/drawing/2014/main" id="{D11E931A-BBAB-987E-696D-92F72FAE00DC}"/>
+            </a:ext>
+          </a:extLst>
+        </p:cNvPr>
+        <p:cNvGrpSpPr/>
+        <p:nvPr/>
+      </p:nvGrpSpPr>
+      <p:grpSpPr>
+        <a:xfrm>
+          <a:off x="0" y="0"/>
+          <a:ext cx="0" cy="0"/>
+          <a:chOff x="0" y="0"/>
+          <a:chExt cx="0" cy="0"/>
+        </a:xfrm>
+      </p:grpSpPr>
+      <p:sp>
+        <p:nvSpPr>
+          <p:cNvPr id="3" name="Subtitle 2">
+            <a:extLst>
+              <a:ext uri="{FF2B5EF4-FFF2-40B4-BE49-F238E27FC236}">
+                <a16:creationId xmlns:a16="http://schemas.microsoft.com/office/drawing/2014/main" id="{471E3A34-6899-0845-E149-D7B99E5C5FB2}"/>
+              </a:ext>
+            </a:extLst>
+          </p:cNvPr>
+          <p:cNvSpPr>
+            <a:spLocks noGrp="1"/>
+          </p:cNvSpPr>
+          <p:nvPr>
+            <p:ph type="subTitle" idx="1"/>
+          </p:nvPr>
+        </p:nvSpPr>
+        <p:spPr>
+          <a:xfrm>
+            <a:off x="203118" y="692696"/>
+            <a:ext cx="8640960" cy="6480720"/>
+          </a:xfrm>
+        </p:spPr>
+        <p:txBody>
+          <a:bodyPr>
+            <a:noAutofit/>
+          </a:bodyPr>
+          <a:lstStyle/>
+          <a:p>
+            <a:r>
+              <a:rPr lang="en-GB" sz="3600" dirty="0">
+                <a:solidFill>
+                  <a:schemeClr val="bg1"/>
+                </a:solidFill>
+              </a:rPr>
+              <a:t>You're a Good </a:t>
+            </a:r>
+            <a:r>
+              <a:rPr lang="en-GB" sz="3600" dirty="0" err="1">
+                <a:solidFill>
+                  <a:schemeClr val="bg1"/>
+                </a:solidFill>
+              </a:rPr>
+              <a:t>Good</a:t>
+            </a:r>
+            <a:r>
+              <a:rPr lang="en-GB" sz="3600" dirty="0">
+                <a:solidFill>
+                  <a:schemeClr val="bg1"/>
+                </a:solidFill>
+              </a:rPr>
+              <a:t> Father</a:t>
+            </a:r>
+          </a:p>
+          <a:p>
+            <a:r>
+              <a:rPr lang="en-GB" sz="3600" dirty="0">
+                <a:solidFill>
+                  <a:schemeClr val="bg1"/>
+                </a:solidFill>
+              </a:rPr>
+              <a:t>It's who You are</a:t>
+            </a:r>
+          </a:p>
+          <a:p>
+            <a:r>
+              <a:rPr lang="en-GB" sz="3600" dirty="0">
+                <a:solidFill>
+                  <a:schemeClr val="bg1"/>
+                </a:solidFill>
+              </a:rPr>
+              <a:t>It's who You are</a:t>
+            </a:r>
+          </a:p>
+          <a:p>
+            <a:r>
+              <a:rPr lang="en-GB" sz="3600" dirty="0">
+                <a:solidFill>
+                  <a:schemeClr val="bg1"/>
+                </a:solidFill>
+              </a:rPr>
+              <a:t>It's who You are</a:t>
+            </a:r>
+          </a:p>
+          <a:p>
+            <a:r>
+              <a:rPr lang="en-GB" sz="3600" dirty="0">
+                <a:solidFill>
+                  <a:schemeClr val="bg1"/>
+                </a:solidFill>
+              </a:rPr>
+              <a:t>And I'm loved by You</a:t>
+            </a:r>
+          </a:p>
+          <a:p>
+            <a:r>
+              <a:rPr lang="en-GB" sz="3600" dirty="0">
+                <a:solidFill>
+                  <a:schemeClr val="bg1"/>
+                </a:solidFill>
+              </a:rPr>
+              <a:t>It's who I am</a:t>
+            </a:r>
+          </a:p>
+          <a:p>
+            <a:r>
+              <a:rPr lang="en-GB" sz="3600" dirty="0">
+                <a:solidFill>
+                  <a:schemeClr val="bg1"/>
+                </a:solidFill>
+              </a:rPr>
+              <a:t>It's who I am</a:t>
+            </a:r>
+          </a:p>
+          <a:p>
+            <a:r>
+              <a:rPr lang="en-GB" sz="3600" dirty="0">
+                <a:solidFill>
+                  <a:schemeClr val="bg1"/>
+                </a:solidFill>
+              </a:rPr>
+              <a:t>It's who I am</a:t>
+            </a:r>
+          </a:p>
+        </p:txBody>
+      </p:sp>
+      <p:sp>
+        <p:nvSpPr>
+          <p:cNvPr id="4" name="TextBox 3">
+            <a:extLst>
+              <a:ext uri="{FF2B5EF4-FFF2-40B4-BE49-F238E27FC236}">
+                <a16:creationId xmlns:a16="http://schemas.microsoft.com/office/drawing/2014/main" id="{7D7EF22F-45DB-8482-11C9-1F6624198FF7}"/>
+              </a:ext>
+            </a:extLst>
+          </p:cNvPr>
+          <p:cNvSpPr txBox="1"/>
+          <p:nvPr/>
+        </p:nvSpPr>
+        <p:spPr>
+          <a:xfrm>
+            <a:off x="8529729" y="0"/>
+            <a:ext cx="628698" cy="461665"/>
+          </a:xfrm>
+          <a:prstGeom prst="rect">
+            <a:avLst/>
+          </a:prstGeom>
+          <a:noFill/>
+        </p:spPr>
+        <p:txBody>
+          <a:bodyPr wrap="none" rtlCol="0">
+            <a:spAutoFit/>
+          </a:bodyPr>
+          <a:lstStyle/>
+          <a:p>
+            <a:r>
+              <a:rPr lang="en-GB" sz="2400" b="1" dirty="0">
+                <a:solidFill>
+                  <a:schemeClr val="bg1"/>
+                </a:solidFill>
+              </a:rPr>
+              <a:t>7/7</a:t>
+            </a:r>
+          </a:p>
+        </p:txBody>
+      </p:sp>
+    </p:spTree>
+    <p:extLst>
+      <p:ext uri="{BB962C8B-B14F-4D97-AF65-F5344CB8AC3E}">
+        <p14:creationId xmlns:p14="http://schemas.microsoft.com/office/powerpoint/2010/main" val="4162813733"/>
       </p:ext>
     </p:extLst>
   </p:cSld>
